--- a/vue/vDom/diff算法.pptx
+++ b/vue/vDom/diff算法.pptx
@@ -114,12 +114,12 @@
   <p:extLst>
     <p:ext uri="{EFAFB233-063F-42B5-8137-9DF3F51BA10A}">
       <p15:sldGuideLst xmlns:p15="http://schemas.microsoft.com/office/powerpoint/2012/main">
-        <p15:guide id="1" orient="horz" pos="2236" userDrawn="1">
+        <p15:guide id="1" orient="horz" pos="2234" userDrawn="1">
           <p15:clr>
             <a:srgbClr val="A4A3A4"/>
           </p15:clr>
         </p15:guide>
-        <p15:guide id="2" pos="3864" userDrawn="1">
+        <p15:guide id="2" pos="3865" userDrawn="1">
           <p15:clr>
             <a:srgbClr val="A4A3A4"/>
           </p15:clr>
@@ -3765,7 +3765,7 @@
         </p:nvSpPr>
         <p:spPr>
           <a:xfrm>
-            <a:off x="5053965" y="3589655"/>
+            <a:off x="5053330" y="4345940"/>
             <a:ext cx="1144905" cy="304800"/>
           </a:xfrm>
           <a:prstGeom prst="notchedRightArrow">
@@ -3828,7 +3828,7 @@
         </p:nvSpPr>
         <p:spPr>
           <a:xfrm>
-            <a:off x="5053330" y="3896360"/>
+            <a:off x="5053330" y="3576955"/>
             <a:ext cx="1144905" cy="304800"/>
           </a:xfrm>
           <a:prstGeom prst="notchedRightArrow">
@@ -4107,6 +4107,72 @@
               <a:t>节点</a:t>
             </a:r>
             <a:endParaRPr lang="zh-CN" altLang="en-US"/>
+          </a:p>
+        </p:txBody>
+      </p:sp>
+      <p:sp>
+        <p:nvSpPr>
+          <p:cNvPr id="2" name="文本框 1"/>
+          <p:cNvSpPr txBox="1"/>
+          <p:nvPr/>
+        </p:nvSpPr>
+        <p:spPr>
+          <a:xfrm>
+            <a:off x="6198235" y="4347845"/>
+            <a:ext cx="6096000" cy="368300"/>
+          </a:xfrm>
+          <a:prstGeom prst="rect">
+            <a:avLst/>
+          </a:prstGeom>
+          <a:noFill/>
+        </p:spPr>
+        <p:txBody>
+          <a:bodyPr wrap="square" rtlCol="0" anchor="t">
+            <a:spAutoFit/>
+          </a:bodyPr>
+          <a:p>
+            <a:r>
+              <a:rPr lang="zh-CN" altLang="en-US">
+                <a:highlight>
+                  <a:srgbClr val="00FF00"/>
+                </a:highlight>
+                <a:sym typeface="+mn-ea"/>
+              </a:rPr>
+              <a:t>h('li', {</a:t>
+            </a:r>
+            <a:r>
+              <a:rPr lang="en-US" altLang="zh-CN">
+                <a:highlight>
+                  <a:srgbClr val="00FF00"/>
+                </a:highlight>
+                <a:sym typeface="+mn-ea"/>
+              </a:rPr>
+              <a:t> key = ‘E’ </a:t>
+            </a:r>
+            <a:r>
+              <a:rPr lang="zh-CN" altLang="en-US">
+                <a:highlight>
+                  <a:srgbClr val="00FF00"/>
+                </a:highlight>
+                <a:sym typeface="+mn-ea"/>
+              </a:rPr>
+              <a:t>}, </a:t>
+            </a:r>
+            <a:r>
+              <a:rPr lang="en-US" altLang="zh-CN">
+                <a:highlight>
+                  <a:srgbClr val="00FF00"/>
+                </a:highlight>
+                <a:sym typeface="+mn-ea"/>
+              </a:rPr>
+              <a:t>‘E’)</a:t>
+            </a:r>
+            <a:endParaRPr lang="en-US" altLang="zh-CN">
+              <a:highlight>
+                <a:srgbClr val="00FF00"/>
+              </a:highlight>
+              <a:sym typeface="+mn-ea"/>
+            </a:endParaRPr>
           </a:p>
         </p:txBody>
       </p:sp>
@@ -5959,7 +6025,11 @@
           <a:p>
             <a:r>
               <a:rPr lang="zh-CN" altLang="en-US"/>
-              <a:t>如果都没有命中，就需要用循环旧节点来寻找，如果找到了，就插入到旧前的前面，如果没有找到，也插入到旧前的</a:t>
+              <a:t>如果都没有命中，就需要用循环旧节点来寻找新节点中的某个</a:t>
+            </a:r>
+            <a:r>
+              <a:rPr lang="zh-CN" altLang="en-US"/>
+              <a:t>节点，如果找到了，就插入到旧前的前面，如果没有找到，也插入到旧前的</a:t>
             </a:r>
             <a:r>
               <a:rPr lang="zh-CN" altLang="en-US"/>
@@ -9603,6 +9673,7 @@
 <file path=ppt/tags/tag132.xml><?xml version="1.0" encoding="utf-8"?>
 <p:tagLst xmlns:p="http://schemas.openxmlformats.org/presentationml/2006/main">
   <p:tag name="COMMONDATA" val="eyJoZGlkIjoiNmViZmZjNjcwZTJmYzIyYjE3YTcwMTAxMGM0MTBmMjcifQ=="/>
+  <p:tag name="KSO_WPP_MARK_KEY" val="9b434681-eb56-4fee-ad5c-a506de825602"/>
 </p:tagLst>
 </file>
 
